--- a/master/研究生工作/组会/屈原斌-组会-20200924.pptx
+++ b/master/研究生工作/组会/屈原斌-组会-20200924.pptx
@@ -415,7 +415,7 @@
           <a:p>
             <a:fld id="{0F9B84EA-7D68-4D60-9CB1-D50884785D1C}" type="datetimeFigureOut">
               <a:rPr lang="zh-CN" altLang="en-US" smtClean="0"/>
-              <a:t>2020.09.24</a:t>
+              <a:t>2020.10.08</a:t>
             </a:fld>
             <a:endParaRPr lang="zh-CN" altLang="en-US"/>
           </a:p>
@@ -488,6 +488,11 @@
         </p:txBody>
       </p:sp>
     </p:spTree>
+    <p:extLst>
+      <p:ext uri="{BB962C8B-B14F-4D97-AF65-F5344CB8AC3E}">
+        <p14:creationId xmlns:p14="http://schemas.microsoft.com/office/powerpoint/2010/main" val="1"/>
+      </p:ext>
+    </p:extLst>
   </p:cSld>
   <p:clrMap bg1="lt1" tx1="dk1" bg2="lt2" tx2="dk2" accent1="accent1" accent2="accent2" accent3="accent3" accent4="accent4" accent5="accent5" accent6="accent6" hlink="hlink" folHlink="folHlink"/>
 </p:handoutMaster>
@@ -13843,7 +13848,7 @@
           <p:nvPr>
             <p:extLst>
               <p:ext uri="{D42A27DB-BD31-4B8C-83A1-F6EECF244321}">
-                <p14:modId xmlns:p14="http://schemas.microsoft.com/office/powerpoint/2010/main" val="1138105077"/>
+                <p14:modId xmlns:p14="http://schemas.microsoft.com/office/powerpoint/2010/main" val="1777203997"/>
               </p:ext>
             </p:extLst>
           </p:nvPr>
@@ -14098,7 +14103,7 @@
                   </a:ext>
                 </a:extLst>
               </a:tr>
-              <a:tr h="370840">
+              <a:tr h="568396">
                 <a:tc vMerge="1">
                   <a:txBody>
                     <a:bodyPr/>
